--- a/figures/standard_model.pptx
+++ b/figures/standard_model.pptx
@@ -254,7 +254,7 @@
           <a:p>
             <a:fld id="{AC01F2F7-F65B-5543-BA66-3AF7B3656CCD}" type="datetimeFigureOut">
               <a:rPr lang="en-US" smtClean="0"/>
-              <a:t>12/10/19</a:t>
+              <a:t>4/6/20</a:t>
             </a:fld>
             <a:endParaRPr lang="en-US"/>
           </a:p>
@@ -424,7 +424,7 @@
           <a:p>
             <a:fld id="{AC01F2F7-F65B-5543-BA66-3AF7B3656CCD}" type="datetimeFigureOut">
               <a:rPr lang="en-US" smtClean="0"/>
-              <a:t>12/10/19</a:t>
+              <a:t>4/6/20</a:t>
             </a:fld>
             <a:endParaRPr lang="en-US"/>
           </a:p>
@@ -604,7 +604,7 @@
           <a:p>
             <a:fld id="{AC01F2F7-F65B-5543-BA66-3AF7B3656CCD}" type="datetimeFigureOut">
               <a:rPr lang="en-US" smtClean="0"/>
-              <a:t>12/10/19</a:t>
+              <a:t>4/6/20</a:t>
             </a:fld>
             <a:endParaRPr lang="en-US"/>
           </a:p>
@@ -774,7 +774,7 @@
           <a:p>
             <a:fld id="{AC01F2F7-F65B-5543-BA66-3AF7B3656CCD}" type="datetimeFigureOut">
               <a:rPr lang="en-US" smtClean="0"/>
-              <a:t>12/10/19</a:t>
+              <a:t>4/6/20</a:t>
             </a:fld>
             <a:endParaRPr lang="en-US"/>
           </a:p>
@@ -1018,7 +1018,7 @@
           <a:p>
             <a:fld id="{AC01F2F7-F65B-5543-BA66-3AF7B3656CCD}" type="datetimeFigureOut">
               <a:rPr lang="en-US" smtClean="0"/>
-              <a:t>12/10/19</a:t>
+              <a:t>4/6/20</a:t>
             </a:fld>
             <a:endParaRPr lang="en-US"/>
           </a:p>
@@ -1250,7 +1250,7 @@
           <a:p>
             <a:fld id="{AC01F2F7-F65B-5543-BA66-3AF7B3656CCD}" type="datetimeFigureOut">
               <a:rPr lang="en-US" smtClean="0"/>
-              <a:t>12/10/19</a:t>
+              <a:t>4/6/20</a:t>
             </a:fld>
             <a:endParaRPr lang="en-US"/>
           </a:p>
@@ -1617,7 +1617,7 @@
           <a:p>
             <a:fld id="{AC01F2F7-F65B-5543-BA66-3AF7B3656CCD}" type="datetimeFigureOut">
               <a:rPr lang="en-US" smtClean="0"/>
-              <a:t>12/10/19</a:t>
+              <a:t>4/6/20</a:t>
             </a:fld>
             <a:endParaRPr lang="en-US"/>
           </a:p>
@@ -1735,7 +1735,7 @@
           <a:p>
             <a:fld id="{AC01F2F7-F65B-5543-BA66-3AF7B3656CCD}" type="datetimeFigureOut">
               <a:rPr lang="en-US" smtClean="0"/>
-              <a:t>12/10/19</a:t>
+              <a:t>4/6/20</a:t>
             </a:fld>
             <a:endParaRPr lang="en-US"/>
           </a:p>
@@ -1830,7 +1830,7 @@
           <a:p>
             <a:fld id="{AC01F2F7-F65B-5543-BA66-3AF7B3656CCD}" type="datetimeFigureOut">
               <a:rPr lang="en-US" smtClean="0"/>
-              <a:t>12/10/19</a:t>
+              <a:t>4/6/20</a:t>
             </a:fld>
             <a:endParaRPr lang="en-US"/>
           </a:p>
@@ -2107,7 +2107,7 @@
           <a:p>
             <a:fld id="{AC01F2F7-F65B-5543-BA66-3AF7B3656CCD}" type="datetimeFigureOut">
               <a:rPr lang="en-US" smtClean="0"/>
-              <a:t>12/10/19</a:t>
+              <a:t>4/6/20</a:t>
             </a:fld>
             <a:endParaRPr lang="en-US"/>
           </a:p>
@@ -2364,7 +2364,7 @@
           <a:p>
             <a:fld id="{AC01F2F7-F65B-5543-BA66-3AF7B3656CCD}" type="datetimeFigureOut">
               <a:rPr lang="en-US" smtClean="0"/>
-              <a:t>12/10/19</a:t>
+              <a:t>4/6/20</a:t>
             </a:fld>
             <a:endParaRPr lang="en-US"/>
           </a:p>
@@ -2577,7 +2577,7 @@
           <a:p>
             <a:fld id="{AC01F2F7-F65B-5543-BA66-3AF7B3656CCD}" type="datetimeFigureOut">
               <a:rPr lang="en-US" smtClean="0"/>
-              <a:t>12/10/19</a:t>
+              <a:t>4/6/20</a:t>
             </a:fld>
             <a:endParaRPr lang="en-US"/>
           </a:p>
@@ -3569,23 +3569,23 @@
           <a:p>
             <a:pPr algn="ctr"/>
             <a:r>
-              <a:rPr lang="en-US" sz="1500" i="1" dirty="0" smtClean="0">
+              <a:rPr lang="en-US" dirty="0" smtClean="0">
                 <a:solidFill>
                   <a:schemeClr val="tx1"/>
                 </a:solidFill>
-                <a:latin typeface="Impact" charset="0"/>
-                <a:ea typeface="Impact" charset="0"/>
-                <a:cs typeface="Impact" charset="0"/>
+                <a:latin typeface="Rockwell Condensed" charset="0"/>
+                <a:ea typeface="Rockwell Condensed" charset="0"/>
+                <a:cs typeface="Rockwell Condensed" charset="0"/>
               </a:rPr>
               <a:t>Up</a:t>
             </a:r>
-            <a:endParaRPr lang="en-US" sz="1500" i="1" dirty="0">
+            <a:endParaRPr lang="en-US" dirty="0">
               <a:solidFill>
                 <a:schemeClr val="tx1"/>
               </a:solidFill>
-              <a:latin typeface="Impact" charset="0"/>
-              <a:ea typeface="Impact" charset="0"/>
-              <a:cs typeface="Impact" charset="0"/>
+              <a:latin typeface="Rockwell Condensed" charset="0"/>
+              <a:ea typeface="Rockwell Condensed" charset="0"/>
+              <a:cs typeface="Rockwell Condensed" charset="0"/>
             </a:endParaRPr>
           </a:p>
         </p:txBody>
@@ -3638,23 +3638,23 @@
           <a:p>
             <a:pPr algn="ctr"/>
             <a:r>
-              <a:rPr lang="en-US" sz="1500" i="1" dirty="0" smtClean="0">
+              <a:rPr lang="en-US" dirty="0" smtClean="0">
                 <a:solidFill>
                   <a:schemeClr val="tx1"/>
                 </a:solidFill>
-                <a:latin typeface="Impact" charset="0"/>
-                <a:ea typeface="Impact" charset="0"/>
-                <a:cs typeface="Impact" charset="0"/>
+                <a:latin typeface="Rockwell Condensed" charset="0"/>
+                <a:ea typeface="Rockwell Condensed" charset="0"/>
+                <a:cs typeface="Rockwell Condensed" charset="0"/>
               </a:rPr>
               <a:t>Charm</a:t>
             </a:r>
-            <a:endParaRPr lang="en-US" sz="1500" i="1" dirty="0">
+            <a:endParaRPr lang="en-US" dirty="0">
               <a:solidFill>
                 <a:schemeClr val="tx1"/>
               </a:solidFill>
-              <a:latin typeface="Impact" charset="0"/>
-              <a:ea typeface="Impact" charset="0"/>
-              <a:cs typeface="Impact" charset="0"/>
+              <a:latin typeface="Rockwell Condensed" charset="0"/>
+              <a:ea typeface="Rockwell Condensed" charset="0"/>
+              <a:cs typeface="Rockwell Condensed" charset="0"/>
             </a:endParaRPr>
           </a:p>
         </p:txBody>
@@ -3707,23 +3707,23 @@
           <a:p>
             <a:pPr algn="ctr"/>
             <a:r>
-              <a:rPr lang="en-US" sz="1500" i="1" dirty="0" smtClean="0">
+              <a:rPr lang="en-US" dirty="0" smtClean="0">
                 <a:solidFill>
                   <a:schemeClr val="tx1"/>
                 </a:solidFill>
-                <a:latin typeface="Impact" charset="0"/>
-                <a:ea typeface="Impact" charset="0"/>
-                <a:cs typeface="Impact" charset="0"/>
+                <a:latin typeface="Rockwell Condensed" charset="0"/>
+                <a:ea typeface="Rockwell Condensed" charset="0"/>
+                <a:cs typeface="Rockwell Condensed" charset="0"/>
               </a:rPr>
               <a:t>Top</a:t>
             </a:r>
-            <a:endParaRPr lang="en-US" sz="1500" i="1" dirty="0">
+            <a:endParaRPr lang="en-US" dirty="0">
               <a:solidFill>
                 <a:schemeClr val="tx1"/>
               </a:solidFill>
-              <a:latin typeface="Impact" charset="0"/>
-              <a:ea typeface="Impact" charset="0"/>
-              <a:cs typeface="Impact" charset="0"/>
+              <a:latin typeface="Rockwell Condensed" charset="0"/>
+              <a:ea typeface="Rockwell Condensed" charset="0"/>
+              <a:cs typeface="Rockwell Condensed" charset="0"/>
             </a:endParaRPr>
           </a:p>
         </p:txBody>
@@ -3776,23 +3776,23 @@
           <a:p>
             <a:pPr algn="ctr"/>
             <a:r>
-              <a:rPr lang="en-US" sz="1500" i="1" dirty="0" smtClean="0">
+              <a:rPr lang="en-US" dirty="0" smtClean="0">
                 <a:solidFill>
                   <a:schemeClr val="tx1"/>
                 </a:solidFill>
-                <a:latin typeface="Impact" charset="0"/>
-                <a:ea typeface="Impact" charset="0"/>
-                <a:cs typeface="Impact" charset="0"/>
+                <a:latin typeface="Rockwell Condensed" charset="0"/>
+                <a:ea typeface="Rockwell Condensed" charset="0"/>
+                <a:cs typeface="Rockwell Condensed" charset="0"/>
               </a:rPr>
               <a:t>Down</a:t>
             </a:r>
-            <a:endParaRPr lang="en-US" sz="1500" i="1" dirty="0">
+            <a:endParaRPr lang="en-US" dirty="0">
               <a:solidFill>
                 <a:schemeClr val="tx1"/>
               </a:solidFill>
-              <a:latin typeface="Impact" charset="0"/>
-              <a:ea typeface="Impact" charset="0"/>
-              <a:cs typeface="Impact" charset="0"/>
+              <a:latin typeface="Rockwell Condensed" charset="0"/>
+              <a:ea typeface="Rockwell Condensed" charset="0"/>
+              <a:cs typeface="Rockwell Condensed" charset="0"/>
             </a:endParaRPr>
           </a:p>
         </p:txBody>
@@ -3845,23 +3845,23 @@
           <a:p>
             <a:pPr algn="ctr"/>
             <a:r>
-              <a:rPr lang="en-US" sz="1500" i="1" dirty="0" smtClean="0">
+              <a:rPr lang="en-US" dirty="0" smtClean="0">
                 <a:solidFill>
                   <a:schemeClr val="tx1"/>
                 </a:solidFill>
-                <a:latin typeface="Impact" charset="0"/>
-                <a:ea typeface="Impact" charset="0"/>
-                <a:cs typeface="Impact" charset="0"/>
+                <a:latin typeface="Rockwell Condensed" charset="0"/>
+                <a:ea typeface="Rockwell Condensed" charset="0"/>
+                <a:cs typeface="Rockwell Condensed" charset="0"/>
               </a:rPr>
               <a:t>Strange</a:t>
             </a:r>
-            <a:endParaRPr lang="en-US" sz="1500" i="1" dirty="0">
+            <a:endParaRPr lang="en-US" dirty="0">
               <a:solidFill>
                 <a:schemeClr val="tx1"/>
               </a:solidFill>
-              <a:latin typeface="Impact" charset="0"/>
-              <a:ea typeface="Impact" charset="0"/>
-              <a:cs typeface="Impact" charset="0"/>
+              <a:latin typeface="Rockwell Condensed" charset="0"/>
+              <a:ea typeface="Rockwell Condensed" charset="0"/>
+              <a:cs typeface="Rockwell Condensed" charset="0"/>
             </a:endParaRPr>
           </a:p>
         </p:txBody>
@@ -3914,23 +3914,23 @@
           <a:p>
             <a:pPr algn="ctr"/>
             <a:r>
-              <a:rPr lang="en-US" sz="1500" i="1" dirty="0" smtClean="0">
+              <a:rPr lang="en-US" dirty="0" smtClean="0">
                 <a:solidFill>
                   <a:schemeClr val="tx1"/>
                 </a:solidFill>
-                <a:latin typeface="Impact" charset="0"/>
-                <a:ea typeface="Impact" charset="0"/>
-                <a:cs typeface="Impact" charset="0"/>
+                <a:latin typeface="Rockwell Condensed" charset="0"/>
+                <a:ea typeface="Rockwell Condensed" charset="0"/>
+                <a:cs typeface="Rockwell Condensed" charset="0"/>
               </a:rPr>
               <a:t>Bottom</a:t>
             </a:r>
-            <a:endParaRPr lang="en-US" sz="1500" i="1" dirty="0">
+            <a:endParaRPr lang="en-US" dirty="0">
               <a:solidFill>
                 <a:schemeClr val="tx1"/>
               </a:solidFill>
-              <a:latin typeface="Impact" charset="0"/>
-              <a:ea typeface="Impact" charset="0"/>
-              <a:cs typeface="Impact" charset="0"/>
+              <a:latin typeface="Rockwell Condensed" charset="0"/>
+              <a:ea typeface="Rockwell Condensed" charset="0"/>
+              <a:cs typeface="Rockwell Condensed" charset="0"/>
             </a:endParaRPr>
           </a:p>
         </p:txBody>
@@ -3973,8 +3973,8 @@
           </a:p>
         </p:txBody>
       </p:sp>
-      <mc:AlternateContent xmlns:mc="http://schemas.openxmlformats.org/markup-compatibility/2006">
-        <mc:Choice xmlns:a14="http://schemas.microsoft.com/office/drawing/2010/main" Requires="a14">
+      <mc:AlternateContent xmlns:mc="http://schemas.openxmlformats.org/markup-compatibility/2006" xmlns:a14="http://schemas.microsoft.com/office/drawing/2010/main">
+        <mc:Choice Requires="a14">
           <p:sp>
             <p:nvSpPr>
               <p:cNvPr id="25" name="TextBox 24"/>
@@ -3997,6 +3997,7 @@
               </a:bodyPr>
               <a:lstStyle/>
               <a:p>
+                <a:pPr/>
                 <a14:m>
                   <m:oMathPara xmlns:m="http://schemas.openxmlformats.org/officeDocument/2006/math">
                     <m:oMathParaPr>
@@ -4055,7 +4056,7 @@
             </p:txBody>
           </p:sp>
         </mc:Choice>
-        <mc:Fallback>
+        <mc:Fallback xmlns="">
           <p:sp>
             <p:nvSpPr>
               <p:cNvPr id="25" name="TextBox 24"/>
@@ -4094,8 +4095,8 @@
           </p:sp>
         </mc:Fallback>
       </mc:AlternateContent>
-      <mc:AlternateContent xmlns:mc="http://schemas.openxmlformats.org/markup-compatibility/2006">
-        <mc:Choice xmlns:a14="http://schemas.microsoft.com/office/drawing/2010/main" Requires="a14">
+      <mc:AlternateContent xmlns:mc="http://schemas.openxmlformats.org/markup-compatibility/2006" xmlns:a14="http://schemas.microsoft.com/office/drawing/2010/main">
+        <mc:Choice Requires="a14">
           <p:sp>
             <p:nvSpPr>
               <p:cNvPr id="26" name="TextBox 25"/>
@@ -4118,6 +4119,7 @@
               </a:bodyPr>
               <a:lstStyle/>
               <a:p>
+                <a:pPr/>
                 <a14:m>
                   <m:oMathPara xmlns:m="http://schemas.openxmlformats.org/officeDocument/2006/math">
                     <m:oMathParaPr>
@@ -4176,7 +4178,7 @@
             </p:txBody>
           </p:sp>
         </mc:Choice>
-        <mc:Fallback>
+        <mc:Fallback xmlns="">
           <p:sp>
             <p:nvSpPr>
               <p:cNvPr id="26" name="TextBox 25"/>
@@ -4450,23 +4452,23 @@
           <a:p>
             <a:pPr algn="ctr"/>
             <a:r>
-              <a:rPr lang="en-US" sz="1400" i="1" dirty="0" smtClean="0">
+              <a:rPr lang="en-US" dirty="0" smtClean="0">
                 <a:solidFill>
                   <a:schemeClr val="tx1"/>
                 </a:solidFill>
-                <a:latin typeface="Impact" charset="0"/>
-                <a:ea typeface="Impact" charset="0"/>
-                <a:cs typeface="Impact" charset="0"/>
+                <a:latin typeface="Rockwell Condensed" charset="0"/>
+                <a:ea typeface="Rockwell Condensed" charset="0"/>
+                <a:cs typeface="Rockwell Condensed" charset="0"/>
               </a:rPr>
               <a:t>Electron</a:t>
             </a:r>
-            <a:endParaRPr lang="en-US" sz="1400" i="1" dirty="0">
+            <a:endParaRPr lang="en-US" dirty="0">
               <a:solidFill>
                 <a:schemeClr val="tx1"/>
               </a:solidFill>
-              <a:latin typeface="Impact" charset="0"/>
-              <a:ea typeface="Impact" charset="0"/>
-              <a:cs typeface="Impact" charset="0"/>
+              <a:latin typeface="Rockwell Condensed" charset="0"/>
+              <a:ea typeface="Rockwell Condensed" charset="0"/>
+              <a:cs typeface="Rockwell Condensed" charset="0"/>
             </a:endParaRPr>
           </a:p>
         </p:txBody>
@@ -4519,23 +4521,23 @@
           <a:p>
             <a:pPr algn="ctr"/>
             <a:r>
-              <a:rPr lang="en-US" sz="1500" i="1" dirty="0" smtClean="0">
+              <a:rPr lang="en-US" dirty="0" smtClean="0">
                 <a:solidFill>
                   <a:schemeClr val="tx1"/>
                 </a:solidFill>
-                <a:latin typeface="Impact" charset="0"/>
-                <a:ea typeface="Impact" charset="0"/>
-                <a:cs typeface="Impact" charset="0"/>
+                <a:latin typeface="Rockwell Condensed" charset="0"/>
+                <a:ea typeface="Rockwell Condensed" charset="0"/>
+                <a:cs typeface="Rockwell Condensed" charset="0"/>
               </a:rPr>
               <a:t>Muon</a:t>
             </a:r>
-            <a:endParaRPr lang="en-US" sz="1500" i="1" dirty="0">
+            <a:endParaRPr lang="en-US" dirty="0">
               <a:solidFill>
                 <a:schemeClr val="tx1"/>
               </a:solidFill>
-              <a:latin typeface="Impact" charset="0"/>
-              <a:ea typeface="Impact" charset="0"/>
-              <a:cs typeface="Impact" charset="0"/>
+              <a:latin typeface="Rockwell Condensed" charset="0"/>
+              <a:ea typeface="Rockwell Condensed" charset="0"/>
+              <a:cs typeface="Rockwell Condensed" charset="0"/>
             </a:endParaRPr>
           </a:p>
         </p:txBody>
@@ -4588,23 +4590,23 @@
           <a:p>
             <a:pPr algn="ctr"/>
             <a:r>
-              <a:rPr lang="en-US" sz="1500" i="1" dirty="0" smtClean="0">
+              <a:rPr lang="en-US" dirty="0" smtClean="0">
                 <a:solidFill>
                   <a:schemeClr val="tx1"/>
                 </a:solidFill>
-                <a:latin typeface="Impact" charset="0"/>
-                <a:ea typeface="Impact" charset="0"/>
-                <a:cs typeface="Impact" charset="0"/>
+                <a:latin typeface="Rockwell Condensed" charset="0"/>
+                <a:ea typeface="Rockwell Condensed" charset="0"/>
+                <a:cs typeface="Rockwell Condensed" charset="0"/>
               </a:rPr>
               <a:t>Tau</a:t>
             </a:r>
-            <a:endParaRPr lang="en-US" sz="1500" i="1" dirty="0">
+            <a:endParaRPr lang="en-US" dirty="0">
               <a:solidFill>
                 <a:schemeClr val="tx1"/>
               </a:solidFill>
-              <a:latin typeface="Impact" charset="0"/>
-              <a:ea typeface="Impact" charset="0"/>
-              <a:cs typeface="Impact" charset="0"/>
+              <a:latin typeface="Rockwell Condensed" charset="0"/>
+              <a:ea typeface="Rockwell Condensed" charset="0"/>
+              <a:cs typeface="Rockwell Condensed" charset="0"/>
             </a:endParaRPr>
           </a:p>
         </p:txBody>
@@ -4657,13 +4659,13 @@
           <a:p>
             <a:pPr algn="ctr"/>
             <a:r>
-              <a:rPr lang="en-US" sz="1300" i="1" dirty="0" smtClean="0">
+              <a:rPr lang="en-US" dirty="0" smtClean="0">
                 <a:solidFill>
                   <a:schemeClr val="tx1"/>
                 </a:solidFill>
-                <a:latin typeface="Impact" charset="0"/>
-                <a:ea typeface="Impact" charset="0"/>
-                <a:cs typeface="Impact" charset="0"/>
+                <a:latin typeface="Rockwell Condensed" charset="0"/>
+                <a:ea typeface="Rockwell Condensed" charset="0"/>
+                <a:cs typeface="Rockwell Condensed" charset="0"/>
               </a:rPr>
               <a:t>Electron</a:t>
             </a:r>
@@ -4671,23 +4673,23 @@
           <a:p>
             <a:pPr algn="ctr"/>
             <a:r>
-              <a:rPr lang="en-US" sz="1300" i="1" dirty="0" smtClean="0">
+              <a:rPr lang="en-US" dirty="0" smtClean="0">
                 <a:solidFill>
                   <a:schemeClr val="tx1"/>
                 </a:solidFill>
-                <a:latin typeface="Impact" charset="0"/>
-                <a:ea typeface="Impact" charset="0"/>
-                <a:cs typeface="Impact" charset="0"/>
+                <a:latin typeface="Rockwell Condensed" charset="0"/>
+                <a:ea typeface="Rockwell Condensed" charset="0"/>
+                <a:cs typeface="Rockwell Condensed" charset="0"/>
               </a:rPr>
               <a:t>Neutrino</a:t>
             </a:r>
-            <a:endParaRPr lang="en-US" sz="1300" i="1" dirty="0">
+            <a:endParaRPr lang="en-US" dirty="0">
               <a:solidFill>
                 <a:schemeClr val="tx1"/>
               </a:solidFill>
-              <a:latin typeface="Impact" charset="0"/>
-              <a:ea typeface="Impact" charset="0"/>
-              <a:cs typeface="Impact" charset="0"/>
+              <a:latin typeface="Rockwell Condensed" charset="0"/>
+              <a:ea typeface="Rockwell Condensed" charset="0"/>
+              <a:cs typeface="Rockwell Condensed" charset="0"/>
             </a:endParaRPr>
           </a:p>
         </p:txBody>
@@ -4740,23 +4742,23 @@
           <a:p>
             <a:pPr algn="ctr"/>
             <a:r>
-              <a:rPr lang="en-US" sz="1300" i="1" dirty="0" smtClean="0">
+              <a:rPr lang="en-US" dirty="0" smtClean="0">
                 <a:solidFill>
                   <a:schemeClr val="tx1"/>
                 </a:solidFill>
-                <a:latin typeface="Impact" charset="0"/>
-                <a:ea typeface="Impact" charset="0"/>
-                <a:cs typeface="Impact" charset="0"/>
+                <a:latin typeface="Rockwell Condensed" charset="0"/>
+                <a:ea typeface="Rockwell Condensed" charset="0"/>
+                <a:cs typeface="Rockwell Condensed" charset="0"/>
               </a:rPr>
               <a:t>Muon Neutrino</a:t>
             </a:r>
-            <a:endParaRPr lang="en-US" sz="1300" i="1" dirty="0">
+            <a:endParaRPr lang="en-US" dirty="0">
               <a:solidFill>
                 <a:schemeClr val="tx1"/>
               </a:solidFill>
-              <a:latin typeface="Impact" charset="0"/>
-              <a:ea typeface="Impact" charset="0"/>
-              <a:cs typeface="Impact" charset="0"/>
+              <a:latin typeface="Rockwell Condensed" charset="0"/>
+              <a:ea typeface="Rockwell Condensed" charset="0"/>
+              <a:cs typeface="Rockwell Condensed" charset="0"/>
             </a:endParaRPr>
           </a:p>
         </p:txBody>
@@ -4809,29 +4811,29 @@
           <a:p>
             <a:pPr algn="ctr"/>
             <a:r>
-              <a:rPr lang="en-US" sz="1300" i="1" dirty="0" smtClean="0">
+              <a:rPr lang="en-US" dirty="0" smtClean="0">
                 <a:solidFill>
                   <a:schemeClr val="tx1"/>
                 </a:solidFill>
-                <a:latin typeface="Impact" charset="0"/>
-                <a:ea typeface="Impact" charset="0"/>
-                <a:cs typeface="Impact" charset="0"/>
+                <a:latin typeface="Rockwell Condensed" charset="0"/>
+                <a:ea typeface="Rockwell Condensed" charset="0"/>
+                <a:cs typeface="Rockwell Condensed" charset="0"/>
               </a:rPr>
               <a:t>Tau Neutrino</a:t>
             </a:r>
-            <a:endParaRPr lang="en-US" sz="1300" i="1" dirty="0">
+            <a:endParaRPr lang="en-US" dirty="0">
               <a:solidFill>
                 <a:schemeClr val="tx1"/>
               </a:solidFill>
-              <a:latin typeface="Impact" charset="0"/>
-              <a:ea typeface="Impact" charset="0"/>
-              <a:cs typeface="Impact" charset="0"/>
+              <a:latin typeface="Rockwell Condensed" charset="0"/>
+              <a:ea typeface="Rockwell Condensed" charset="0"/>
+              <a:cs typeface="Rockwell Condensed" charset="0"/>
             </a:endParaRPr>
           </a:p>
         </p:txBody>
       </p:sp>
-      <mc:AlternateContent xmlns:mc="http://schemas.openxmlformats.org/markup-compatibility/2006">
-        <mc:Choice xmlns:a14="http://schemas.microsoft.com/office/drawing/2010/main" Requires="a14">
+      <mc:AlternateContent xmlns:mc="http://schemas.openxmlformats.org/markup-compatibility/2006" xmlns:a14="http://schemas.microsoft.com/office/drawing/2010/main">
+        <mc:Choice Requires="a14">
           <p:sp>
             <p:nvSpPr>
               <p:cNvPr id="38" name="TextBox 37"/>
@@ -4854,6 +4856,7 @@
               </a:bodyPr>
               <a:lstStyle/>
               <a:p>
+                <a:pPr/>
                 <a14:m>
                   <m:oMathPara xmlns:m="http://schemas.openxmlformats.org/officeDocument/2006/math">
                     <m:oMathParaPr>
@@ -4888,7 +4891,7 @@
             </p:txBody>
           </p:sp>
         </mc:Choice>
-        <mc:Fallback>
+        <mc:Fallback xmlns="">
           <p:sp>
             <p:nvSpPr>
               <p:cNvPr id="38" name="TextBox 37"/>
@@ -4927,8 +4930,8 @@
           </p:sp>
         </mc:Fallback>
       </mc:AlternateContent>
-      <mc:AlternateContent xmlns:mc="http://schemas.openxmlformats.org/markup-compatibility/2006">
-        <mc:Choice xmlns:a14="http://schemas.microsoft.com/office/drawing/2010/main" Requires="a14">
+      <mc:AlternateContent xmlns:mc="http://schemas.openxmlformats.org/markup-compatibility/2006" xmlns:a14="http://schemas.microsoft.com/office/drawing/2010/main">
+        <mc:Choice Requires="a14">
           <p:sp>
             <p:nvSpPr>
               <p:cNvPr id="39" name="TextBox 38"/>
@@ -4951,6 +4954,7 @@
               </a:bodyPr>
               <a:lstStyle/>
               <a:p>
+                <a:pPr/>
                 <a14:m>
                   <m:oMathPara xmlns:m="http://schemas.openxmlformats.org/officeDocument/2006/math">
                     <m:oMathParaPr>
@@ -4977,7 +4981,7 @@
             </p:txBody>
           </p:sp>
         </mc:Choice>
-        <mc:Fallback>
+        <mc:Fallback xmlns="">
           <p:sp>
             <p:nvSpPr>
               <p:cNvPr id="39" name="TextBox 38"/>
@@ -5098,8 +5102,8 @@
           </a:p>
         </p:txBody>
       </p:sp>
-      <mc:AlternateContent xmlns:mc="http://schemas.openxmlformats.org/markup-compatibility/2006">
-        <mc:Choice xmlns:a14="http://schemas.microsoft.com/office/drawing/2010/main" Requires="a14">
+      <mc:AlternateContent xmlns:mc="http://schemas.openxmlformats.org/markup-compatibility/2006" xmlns:a14="http://schemas.microsoft.com/office/drawing/2010/main">
+        <mc:Choice Requires="a14">
           <p:sp>
             <p:nvSpPr>
               <p:cNvPr id="43" name="TextBox 42"/>
@@ -5189,7 +5193,7 @@
             </p:txBody>
           </p:sp>
         </mc:Choice>
-        <mc:Fallback>
+        <mc:Fallback xmlns="">
           <p:sp>
             <p:nvSpPr>
               <p:cNvPr id="43" name="TextBox 42"/>
@@ -5275,23 +5279,23 @@
           <a:p>
             <a:pPr algn="ctr"/>
             <a:r>
-              <a:rPr lang="en-US" sz="1500" i="1" dirty="0" smtClean="0">
+              <a:rPr lang="en-US" dirty="0" smtClean="0">
                 <a:solidFill>
                   <a:schemeClr val="bg1"/>
                 </a:solidFill>
-                <a:latin typeface="Impact" charset="0"/>
-                <a:ea typeface="Impact" charset="0"/>
-                <a:cs typeface="Impact" charset="0"/>
+                <a:latin typeface="Rockwell Condensed" charset="0"/>
+                <a:ea typeface="Rockwell Condensed" charset="0"/>
+                <a:cs typeface="Rockwell Condensed" charset="0"/>
               </a:rPr>
               <a:t>Photon</a:t>
             </a:r>
-            <a:endParaRPr lang="en-US" sz="1500" i="1" dirty="0">
+            <a:endParaRPr lang="en-US" dirty="0">
               <a:solidFill>
                 <a:schemeClr val="bg1"/>
               </a:solidFill>
-              <a:latin typeface="Impact" charset="0"/>
-              <a:ea typeface="Impact" charset="0"/>
-              <a:cs typeface="Impact" charset="0"/>
+              <a:latin typeface="Rockwell Condensed" charset="0"/>
+              <a:ea typeface="Rockwell Condensed" charset="0"/>
+              <a:cs typeface="Rockwell Condensed" charset="0"/>
             </a:endParaRPr>
           </a:p>
         </p:txBody>
@@ -5343,23 +5347,23 @@
           <a:p>
             <a:pPr algn="ctr"/>
             <a:r>
-              <a:rPr lang="en-US" sz="1500" i="1" dirty="0" smtClean="0">
+              <a:rPr lang="en-US" dirty="0" smtClean="0">
                 <a:solidFill>
                   <a:schemeClr val="bg1"/>
                 </a:solidFill>
-                <a:latin typeface="Impact" charset="0"/>
-                <a:ea typeface="Impact" charset="0"/>
-                <a:cs typeface="Impact" charset="0"/>
+                <a:latin typeface="Rockwell Condensed" charset="0"/>
+                <a:ea typeface="Rockwell Condensed" charset="0"/>
+                <a:cs typeface="Rockwell Condensed" charset="0"/>
               </a:rPr>
               <a:t>Gluons</a:t>
             </a:r>
-            <a:endParaRPr lang="en-US" sz="1500" i="1" dirty="0">
+            <a:endParaRPr lang="en-US" dirty="0">
               <a:solidFill>
                 <a:schemeClr val="bg1"/>
               </a:solidFill>
-              <a:latin typeface="Impact" charset="0"/>
-              <a:ea typeface="Impact" charset="0"/>
-              <a:cs typeface="Impact" charset="0"/>
+              <a:latin typeface="Rockwell Condensed" charset="0"/>
+              <a:ea typeface="Rockwell Condensed" charset="0"/>
+              <a:cs typeface="Rockwell Condensed" charset="0"/>
             </a:endParaRPr>
           </a:p>
         </p:txBody>
@@ -5409,23 +5413,23 @@
           <a:p>
             <a:pPr algn="ctr"/>
             <a:r>
-              <a:rPr lang="en-US" sz="1500" i="1" dirty="0" smtClean="0">
+              <a:rPr lang="en-US" dirty="0" smtClean="0">
                 <a:solidFill>
                   <a:schemeClr val="bg1"/>
                 </a:solidFill>
-                <a:latin typeface="Impact" charset="0"/>
-                <a:ea typeface="Impact" charset="0"/>
-                <a:cs typeface="Impact" charset="0"/>
+                <a:latin typeface="Rockwell Condensed" charset="0"/>
+                <a:ea typeface="Rockwell Condensed" charset="0"/>
+                <a:cs typeface="Rockwell Condensed" charset="0"/>
               </a:rPr>
               <a:t>Higgs</a:t>
             </a:r>
-            <a:endParaRPr lang="en-US" sz="1500" i="1" dirty="0">
+            <a:endParaRPr lang="en-US" dirty="0">
               <a:solidFill>
                 <a:schemeClr val="bg1"/>
               </a:solidFill>
-              <a:latin typeface="Impact" charset="0"/>
-              <a:ea typeface="Impact" charset="0"/>
-              <a:cs typeface="Impact" charset="0"/>
+              <a:latin typeface="Rockwell Condensed" charset="0"/>
+              <a:ea typeface="Rockwell Condensed" charset="0"/>
+              <a:cs typeface="Rockwell Condensed" charset="0"/>
             </a:endParaRPr>
           </a:p>
         </p:txBody>
@@ -5468,8 +5472,8 @@
           </a:p>
         </p:txBody>
       </p:sp>
-      <mc:AlternateContent xmlns:mc="http://schemas.openxmlformats.org/markup-compatibility/2006">
-        <mc:Choice xmlns:a14="http://schemas.microsoft.com/office/drawing/2010/main" Requires="a14">
+      <mc:AlternateContent xmlns:mc="http://schemas.openxmlformats.org/markup-compatibility/2006" xmlns:a14="http://schemas.microsoft.com/office/drawing/2010/main">
+        <mc:Choice Requires="a14">
           <p:sp>
             <p:nvSpPr>
               <p:cNvPr id="50" name="TextBox 49"/>
@@ -5492,6 +5496,7 @@
               </a:bodyPr>
               <a:lstStyle/>
               <a:p>
+                <a:pPr/>
                 <a14:m>
                   <m:oMathPara xmlns:m="http://schemas.openxmlformats.org/officeDocument/2006/math">
                     <m:oMathParaPr>
@@ -5518,7 +5523,7 @@
             </p:txBody>
           </p:sp>
         </mc:Choice>
-        <mc:Fallback>
+        <mc:Fallback xmlns="">
           <p:sp>
             <p:nvSpPr>
               <p:cNvPr id="50" name="TextBox 49"/>
@@ -5557,8 +5562,8 @@
           </p:sp>
         </mc:Fallback>
       </mc:AlternateContent>
-      <mc:AlternateContent xmlns:mc="http://schemas.openxmlformats.org/markup-compatibility/2006">
-        <mc:Choice xmlns:a14="http://schemas.microsoft.com/office/drawing/2010/main" Requires="a14">
+      <mc:AlternateContent xmlns:mc="http://schemas.openxmlformats.org/markup-compatibility/2006" xmlns:a14="http://schemas.microsoft.com/office/drawing/2010/main">
+        <mc:Choice Requires="a14">
           <p:sp>
             <p:nvSpPr>
               <p:cNvPr id="53" name="TextBox 52"/>
@@ -5581,6 +5586,7 @@
               </a:bodyPr>
               <a:lstStyle/>
               <a:p>
+                <a:pPr/>
                 <a14:m>
                   <m:oMathPara xmlns:m="http://schemas.openxmlformats.org/officeDocument/2006/math">
                     <m:oMathParaPr>
@@ -5607,7 +5613,7 @@
             </p:txBody>
           </p:sp>
         </mc:Choice>
-        <mc:Fallback>
+        <mc:Fallback xmlns="">
           <p:sp>
             <p:nvSpPr>
               <p:cNvPr id="53" name="TextBox 52"/>
@@ -5646,8 +5652,8 @@
           </p:sp>
         </mc:Fallback>
       </mc:AlternateContent>
-      <mc:AlternateContent xmlns:mc="http://schemas.openxmlformats.org/markup-compatibility/2006">
-        <mc:Choice xmlns:a14="http://schemas.microsoft.com/office/drawing/2010/main" Requires="a14">
+      <mc:AlternateContent xmlns:mc="http://schemas.openxmlformats.org/markup-compatibility/2006" xmlns:a14="http://schemas.microsoft.com/office/drawing/2010/main">
+        <mc:Choice Requires="a14">
           <p:sp>
             <p:nvSpPr>
               <p:cNvPr id="54" name="TextBox 53"/>
@@ -5670,6 +5676,7 @@
               </a:bodyPr>
               <a:lstStyle/>
               <a:p>
+                <a:pPr/>
                 <a14:m>
                   <m:oMathPara xmlns:m="http://schemas.openxmlformats.org/officeDocument/2006/math">
                     <m:oMathParaPr>
@@ -5704,7 +5711,7 @@
             </p:txBody>
           </p:sp>
         </mc:Choice>
-        <mc:Fallback>
+        <mc:Fallback xmlns="">
           <p:sp>
             <p:nvSpPr>
               <p:cNvPr id="54" name="TextBox 53"/>
@@ -5743,8 +5750,8 @@
           </p:sp>
         </mc:Fallback>
       </mc:AlternateContent>
-      <mc:AlternateContent xmlns:mc="http://schemas.openxmlformats.org/markup-compatibility/2006">
-        <mc:Choice xmlns:a14="http://schemas.microsoft.com/office/drawing/2010/main" Requires="a14">
+      <mc:AlternateContent xmlns:mc="http://schemas.openxmlformats.org/markup-compatibility/2006" xmlns:a14="http://schemas.microsoft.com/office/drawing/2010/main">
+        <mc:Choice Requires="a14">
           <p:sp>
             <p:nvSpPr>
               <p:cNvPr id="55" name="TextBox 54"/>
@@ -5767,6 +5774,7 @@
               </a:bodyPr>
               <a:lstStyle/>
               <a:p>
+                <a:pPr/>
                 <a14:m>
                   <m:oMathPara xmlns:m="http://schemas.openxmlformats.org/officeDocument/2006/math">
                     <m:oMathParaPr>
@@ -5793,7 +5801,7 @@
             </p:txBody>
           </p:sp>
         </mc:Choice>
-        <mc:Fallback>
+        <mc:Fallback xmlns="">
           <p:sp>
             <p:nvSpPr>
               <p:cNvPr id="55" name="TextBox 54"/>
@@ -5950,7 +5958,7 @@
         <p:spPr>
           <a:xfrm>
             <a:off x="6626880" y="4675095"/>
-            <a:ext cx="397866" cy="323165"/>
+            <a:ext cx="343043" cy="323165"/>
           </a:xfrm>
           <a:prstGeom prst="rect">
             <a:avLst/>
@@ -5968,9 +5976,9 @@
                 <a:solidFill>
                   <a:schemeClr val="bg1"/>
                 </a:solidFill>
-                <a:latin typeface="Impact" charset="0"/>
-                <a:ea typeface="Impact" charset="0"/>
-                <a:cs typeface="Impact" charset="0"/>
+                <a:latin typeface="Rockwell Condensed" charset="0"/>
+                <a:ea typeface="Rockwell Condensed" charset="0"/>
+                <a:cs typeface="Rockwell Condensed" charset="0"/>
               </a:rPr>
               <a:t>W-</a:t>
             </a:r>
@@ -5978,15 +5986,15 @@
               <a:solidFill>
                 <a:schemeClr val="bg1"/>
               </a:solidFill>
-              <a:latin typeface="Impact" charset="0"/>
-              <a:ea typeface="Impact" charset="0"/>
-              <a:cs typeface="Impact" charset="0"/>
+              <a:latin typeface="Rockwell Condensed" charset="0"/>
+              <a:ea typeface="Rockwell Condensed" charset="0"/>
+              <a:cs typeface="Rockwell Condensed" charset="0"/>
             </a:endParaRPr>
           </a:p>
         </p:txBody>
       </p:sp>
-      <mc:AlternateContent xmlns:mc="http://schemas.openxmlformats.org/markup-compatibility/2006">
-        <mc:Choice xmlns:a14="http://schemas.microsoft.com/office/drawing/2010/main" Requires="a14">
+      <mc:AlternateContent xmlns:mc="http://schemas.openxmlformats.org/markup-compatibility/2006" xmlns:a14="http://schemas.microsoft.com/office/drawing/2010/main">
+        <mc:Choice Requires="a14">
           <p:sp>
             <p:nvSpPr>
               <p:cNvPr id="52" name="TextBox 51"/>
@@ -6009,6 +6017,7 @@
               </a:bodyPr>
               <a:lstStyle/>
               <a:p>
+                <a:pPr/>
                 <a14:m>
                   <m:oMathPara xmlns:m="http://schemas.openxmlformats.org/officeDocument/2006/math">
                     <m:oMathParaPr>
@@ -6043,7 +6052,7 @@
             </p:txBody>
           </p:sp>
         </mc:Choice>
-        <mc:Fallback>
+        <mc:Fallback xmlns="">
           <p:sp>
             <p:nvSpPr>
               <p:cNvPr id="52" name="TextBox 51"/>
@@ -6091,7 +6100,7 @@
         <p:spPr>
           <a:xfrm>
             <a:off x="6681652" y="4382660"/>
-            <a:ext cx="261610" cy="323165"/>
+            <a:ext cx="250390" cy="323165"/>
           </a:xfrm>
           <a:prstGeom prst="rect">
             <a:avLst/>
@@ -6105,13 +6114,13 @@
           <a:lstStyle/>
           <a:p>
             <a:r>
-              <a:rPr lang="en-US" sz="1500" i="1" smtClean="0">
+              <a:rPr lang="en-US" sz="1500" i="1" dirty="0" smtClean="0">
                 <a:solidFill>
                   <a:schemeClr val="bg1"/>
                 </a:solidFill>
-                <a:latin typeface="Impact" charset="0"/>
-                <a:ea typeface="Impact" charset="0"/>
-                <a:cs typeface="Impact" charset="0"/>
+                <a:latin typeface="Rockwell Condensed" charset="0"/>
+                <a:ea typeface="Rockwell Condensed" charset="0"/>
+                <a:cs typeface="Rockwell Condensed" charset="0"/>
               </a:rPr>
               <a:t>Z</a:t>
             </a:r>
@@ -6119,9 +6128,9 @@
               <a:solidFill>
                 <a:schemeClr val="bg1"/>
               </a:solidFill>
-              <a:latin typeface="Impact" charset="0"/>
-              <a:ea typeface="Impact" charset="0"/>
-              <a:cs typeface="Impact" charset="0"/>
+              <a:latin typeface="Rockwell Condensed" charset="0"/>
+              <a:ea typeface="Rockwell Condensed" charset="0"/>
+              <a:cs typeface="Rockwell Condensed" charset="0"/>
             </a:endParaRPr>
           </a:p>
         </p:txBody>
@@ -6135,7 +6144,7 @@
         <p:spPr>
           <a:xfrm>
             <a:off x="6640350" y="4084606"/>
-            <a:ext cx="444352" cy="323165"/>
+            <a:ext cx="433132" cy="323165"/>
           </a:xfrm>
           <a:prstGeom prst="rect">
             <a:avLst/>
@@ -6153,19 +6162,30 @@
                 <a:solidFill>
                   <a:schemeClr val="bg1"/>
                 </a:solidFill>
-                <a:latin typeface="Impact" charset="0"/>
-                <a:ea typeface="Impact" charset="0"/>
-                <a:cs typeface="Impact" charset="0"/>
+                <a:latin typeface="Rockwell Condensed" charset="0"/>
+                <a:ea typeface="Rockwell Condensed" charset="0"/>
+                <a:cs typeface="Rockwell Condensed" charset="0"/>
               </a:rPr>
-              <a:t>W+</a:t>
-            </a:r>
-            <a:endParaRPr lang="en-US" sz="1500" i="1" dirty="0">
+              <a:t>W</a:t>
+            </a:r>
+            <a:r>
+              <a:rPr lang="en-US" sz="1500" dirty="0" smtClean="0">
+                <a:solidFill>
+                  <a:schemeClr val="bg1"/>
+                </a:solidFill>
+                <a:latin typeface="Rockwell Condensed" charset="0"/>
+                <a:ea typeface="Rockwell Condensed" charset="0"/>
+                <a:cs typeface="Rockwell Condensed" charset="0"/>
+              </a:rPr>
+              <a:t>+</a:t>
+            </a:r>
+            <a:endParaRPr lang="en-US" sz="1500" dirty="0">
               <a:solidFill>
                 <a:schemeClr val="bg1"/>
               </a:solidFill>
-              <a:latin typeface="Impact" charset="0"/>
-              <a:ea typeface="Impact" charset="0"/>
-              <a:cs typeface="Impact" charset="0"/>
+              <a:latin typeface="Rockwell Condensed" charset="0"/>
+              <a:ea typeface="Rockwell Condensed" charset="0"/>
+              <a:cs typeface="Rockwell Condensed" charset="0"/>
             </a:endParaRPr>
           </a:p>
         </p:txBody>
